--- a/M10715079/KDD期末報告-Sidekick Power .pptx
+++ b/M10715079/KDD期末報告-Sidekick Power .pptx
@@ -291,7 +291,7 @@
           <a:p>
             <a:fld id="{CB88009E-120E-4A24-A2A9-22D00577DDD1}" type="datetimeFigureOut">
               <a:rPr lang="zh-TW" altLang="en-US" smtClean="0"/>
-              <a:t>2019/6/8</a:t>
+              <a:t>2019/6/10</a:t>
             </a:fld>
             <a:endParaRPr lang="zh-TW" altLang="en-US"/>
           </a:p>
@@ -603,7 +603,7 @@
           <a:p>
             <a:fld id="{CB88009E-120E-4A24-A2A9-22D00577DDD1}" type="datetimeFigureOut">
               <a:rPr lang="zh-TW" altLang="en-US" smtClean="0"/>
-              <a:t>2019/6/8</a:t>
+              <a:t>2019/6/10</a:t>
             </a:fld>
             <a:endParaRPr lang="zh-TW" altLang="en-US"/>
           </a:p>
@@ -825,7 +825,7 @@
           <a:p>
             <a:fld id="{CB88009E-120E-4A24-A2A9-22D00577DDD1}" type="datetimeFigureOut">
               <a:rPr lang="zh-TW" altLang="en-US" smtClean="0"/>
-              <a:t>2019/6/8</a:t>
+              <a:t>2019/6/10</a:t>
             </a:fld>
             <a:endParaRPr lang="zh-TW" altLang="en-US"/>
           </a:p>
@@ -1116,7 +1116,7 @@
           <a:p>
             <a:fld id="{CB88009E-120E-4A24-A2A9-22D00577DDD1}" type="datetimeFigureOut">
               <a:rPr lang="zh-TW" altLang="en-US" smtClean="0"/>
-              <a:t>2019/6/8</a:t>
+              <a:t>2019/6/10</a:t>
             </a:fld>
             <a:endParaRPr lang="zh-TW" altLang="en-US"/>
           </a:p>
@@ -1570,7 +1570,7 @@
           <a:p>
             <a:fld id="{CB88009E-120E-4A24-A2A9-22D00577DDD1}" type="datetimeFigureOut">
               <a:rPr lang="zh-TW" altLang="en-US" smtClean="0"/>
-              <a:t>2019/6/8</a:t>
+              <a:t>2019/6/10</a:t>
             </a:fld>
             <a:endParaRPr lang="zh-TW" altLang="en-US"/>
           </a:p>
@@ -2146,7 +2146,7 @@
           <a:p>
             <a:fld id="{CB88009E-120E-4A24-A2A9-22D00577DDD1}" type="datetimeFigureOut">
               <a:rPr lang="zh-TW" altLang="en-US" smtClean="0"/>
-              <a:t>2019/6/8</a:t>
+              <a:t>2019/6/10</a:t>
             </a:fld>
             <a:endParaRPr lang="zh-TW" altLang="en-US"/>
           </a:p>
@@ -2998,7 +2998,7 @@
           <a:p>
             <a:fld id="{CB88009E-120E-4A24-A2A9-22D00577DDD1}" type="datetimeFigureOut">
               <a:rPr lang="zh-TW" altLang="en-US" smtClean="0"/>
-              <a:t>2019/6/8</a:t>
+              <a:t>2019/6/10</a:t>
             </a:fld>
             <a:endParaRPr lang="zh-TW" altLang="en-US"/>
           </a:p>
@@ -3203,7 +3203,7 @@
           <a:p>
             <a:fld id="{CB88009E-120E-4A24-A2A9-22D00577DDD1}" type="datetimeFigureOut">
               <a:rPr lang="zh-TW" altLang="en-US" smtClean="0"/>
-              <a:t>2019/6/8</a:t>
+              <a:t>2019/6/10</a:t>
             </a:fld>
             <a:endParaRPr lang="zh-TW" altLang="en-US"/>
           </a:p>
@@ -3417,7 +3417,7 @@
           <a:p>
             <a:fld id="{CB88009E-120E-4A24-A2A9-22D00577DDD1}" type="datetimeFigureOut">
               <a:rPr lang="zh-TW" altLang="en-US" smtClean="0"/>
-              <a:t>2019/6/8</a:t>
+              <a:t>2019/6/10</a:t>
             </a:fld>
             <a:endParaRPr lang="zh-TW" altLang="en-US"/>
           </a:p>
@@ -3622,7 +3622,7 @@
           <a:p>
             <a:fld id="{CB88009E-120E-4A24-A2A9-22D00577DDD1}" type="datetimeFigureOut">
               <a:rPr lang="zh-TW" altLang="en-US" smtClean="0"/>
-              <a:t>2019/6/8</a:t>
+              <a:t>2019/6/10</a:t>
             </a:fld>
             <a:endParaRPr lang="zh-TW" altLang="en-US"/>
           </a:p>
@@ -3902,7 +3902,7 @@
           <a:p>
             <a:fld id="{CB88009E-120E-4A24-A2A9-22D00577DDD1}" type="datetimeFigureOut">
               <a:rPr lang="zh-TW" altLang="en-US" smtClean="0"/>
-              <a:t>2019/6/8</a:t>
+              <a:t>2019/6/10</a:t>
             </a:fld>
             <a:endParaRPr lang="zh-TW" altLang="en-US"/>
           </a:p>
@@ -4169,7 +4169,7 @@
           <a:p>
             <a:fld id="{CB88009E-120E-4A24-A2A9-22D00577DDD1}" type="datetimeFigureOut">
               <a:rPr lang="zh-TW" altLang="en-US" smtClean="0"/>
-              <a:t>2019/6/8</a:t>
+              <a:t>2019/6/10</a:t>
             </a:fld>
             <a:endParaRPr lang="zh-TW" altLang="en-US"/>
           </a:p>
@@ -4584,7 +4584,7 @@
           <a:p>
             <a:fld id="{CB88009E-120E-4A24-A2A9-22D00577DDD1}" type="datetimeFigureOut">
               <a:rPr lang="zh-TW" altLang="en-US" smtClean="0"/>
-              <a:t>2019/6/8</a:t>
+              <a:t>2019/6/10</a:t>
             </a:fld>
             <a:endParaRPr lang="zh-TW" altLang="en-US"/>
           </a:p>
@@ -4732,7 +4732,7 @@
           <a:p>
             <a:fld id="{CB88009E-120E-4A24-A2A9-22D00577DDD1}" type="datetimeFigureOut">
               <a:rPr lang="zh-TW" altLang="en-US" smtClean="0"/>
-              <a:t>2019/6/8</a:t>
+              <a:t>2019/6/10</a:t>
             </a:fld>
             <a:endParaRPr lang="zh-TW" altLang="en-US"/>
           </a:p>
@@ -4857,7 +4857,7 @@
           <a:p>
             <a:fld id="{CB88009E-120E-4A24-A2A9-22D00577DDD1}" type="datetimeFigureOut">
               <a:rPr lang="zh-TW" altLang="en-US" smtClean="0"/>
-              <a:t>2019/6/8</a:t>
+              <a:t>2019/6/10</a:t>
             </a:fld>
             <a:endParaRPr lang="zh-TW" altLang="en-US"/>
           </a:p>
@@ -5136,7 +5136,7 @@
           <a:p>
             <a:fld id="{CB88009E-120E-4A24-A2A9-22D00577DDD1}" type="datetimeFigureOut">
               <a:rPr lang="zh-TW" altLang="en-US" smtClean="0"/>
-              <a:t>2019/6/8</a:t>
+              <a:t>2019/6/10</a:t>
             </a:fld>
             <a:endParaRPr lang="zh-TW" altLang="en-US"/>
           </a:p>
@@ -5448,7 +5448,7 @@
           <a:p>
             <a:fld id="{CB88009E-120E-4A24-A2A9-22D00577DDD1}" type="datetimeFigureOut">
               <a:rPr lang="zh-TW" altLang="en-US" smtClean="0"/>
-              <a:t>2019/6/8</a:t>
+              <a:t>2019/6/10</a:t>
             </a:fld>
             <a:endParaRPr lang="zh-TW" altLang="en-US"/>
           </a:p>
@@ -5701,7 +5701,7 @@
           <a:p>
             <a:fld id="{CB88009E-120E-4A24-A2A9-22D00577DDD1}" type="datetimeFigureOut">
               <a:rPr lang="zh-TW" altLang="en-US" smtClean="0"/>
-              <a:t>2019/6/8</a:t>
+              <a:t>2019/6/10</a:t>
             </a:fld>
             <a:endParaRPr lang="zh-TW" altLang="en-US"/>
           </a:p>
@@ -6574,14 +6574,7 @@
                 <a:latin typeface="微軟正黑體" panose="020B0604030504040204" pitchFamily="34" charset="-120"/>
                 <a:ea typeface="微軟正黑體" panose="020B0604030504040204" pitchFamily="34" charset="-120"/>
               </a:rPr>
-              <a:t>組員</a:t>
-            </a:r>
-            <a:r>
-              <a:rPr lang="zh-TW" altLang="en-US" sz="2800" b="1" dirty="0" smtClean="0">
-                <a:latin typeface="微軟正黑體" panose="020B0604030504040204" pitchFamily="34" charset="-120"/>
-                <a:ea typeface="微軟正黑體" panose="020B0604030504040204" pitchFamily="34" charset="-120"/>
-              </a:rPr>
-              <a:t>分工</a:t>
+              <a:t>組員分工</a:t>
             </a:r>
             <a:endParaRPr lang="en-US" altLang="zh-TW" sz="2800" b="1" dirty="0" smtClean="0">
               <a:latin typeface="微軟正黑體" panose="020B0604030504040204" pitchFamily="34" charset="-120"/>
@@ -6829,7 +6822,21 @@
                 <a:latin typeface="微軟正黑體" panose="020B0604030504040204" pitchFamily="34" charset="-120"/>
                 <a:ea typeface="微軟正黑體" panose="020B0604030504040204" pitchFamily="34" charset="-120"/>
               </a:rPr>
-              <a:t>: 3</a:t>
+              <a:t>: </a:t>
+            </a:r>
+            <a:r>
+              <a:rPr lang="zh-TW" altLang="en-US" sz="2000" b="1" dirty="0" smtClean="0">
+                <a:latin typeface="微軟正黑體" panose="020B0604030504040204" pitchFamily="34" charset="-120"/>
+                <a:ea typeface="微軟正黑體" panose="020B0604030504040204" pitchFamily="34" charset="-120"/>
+              </a:rPr>
+              <a:t>使用</a:t>
+            </a:r>
+            <a:r>
+              <a:rPr lang="en-US" altLang="zh-TW" sz="2000" b="1" dirty="0" smtClean="0">
+                <a:latin typeface="微軟正黑體" panose="020B0604030504040204" pitchFamily="34" charset="-120"/>
+                <a:ea typeface="微軟正黑體" panose="020B0604030504040204" pitchFamily="34" charset="-120"/>
+              </a:rPr>
+              <a:t>3</a:t>
             </a:r>
             <a:r>
               <a:rPr lang="zh-TW" altLang="en-US" sz="2000" b="1" dirty="0" smtClean="0">
@@ -7028,70 +7035,70 @@
                 <a:gridCol w="1167618">
                   <a:extLst>
                     <a:ext uri="{9D8B030D-6E8A-4147-A177-3AD203B41FA5}">
-                      <a16:colId xmlns:a16="http://schemas.microsoft.com/office/drawing/2014/main" val="1759266959"/>
+                      <a16:colId xmlns:a16="http://schemas.microsoft.com/office/drawing/2014/main" xmlns="" val="1759266959"/>
                     </a:ext>
                   </a:extLst>
                 </a:gridCol>
                 <a:gridCol w="1167618">
                   <a:extLst>
                     <a:ext uri="{9D8B030D-6E8A-4147-A177-3AD203B41FA5}">
-                      <a16:colId xmlns:a16="http://schemas.microsoft.com/office/drawing/2014/main" val="2249985139"/>
+                      <a16:colId xmlns:a16="http://schemas.microsoft.com/office/drawing/2014/main" xmlns="" val="2249985139"/>
                     </a:ext>
                   </a:extLst>
                 </a:gridCol>
                 <a:gridCol w="1167618">
                   <a:extLst>
                     <a:ext uri="{9D8B030D-6E8A-4147-A177-3AD203B41FA5}">
-                      <a16:colId xmlns:a16="http://schemas.microsoft.com/office/drawing/2014/main" val="2690938578"/>
+                      <a16:colId xmlns:a16="http://schemas.microsoft.com/office/drawing/2014/main" xmlns="" val="2690938578"/>
                     </a:ext>
                   </a:extLst>
                 </a:gridCol>
                 <a:gridCol w="1167618">
                   <a:extLst>
                     <a:ext uri="{9D8B030D-6E8A-4147-A177-3AD203B41FA5}">
-                      <a16:colId xmlns:a16="http://schemas.microsoft.com/office/drawing/2014/main" val="3068210531"/>
+                      <a16:colId xmlns:a16="http://schemas.microsoft.com/office/drawing/2014/main" xmlns="" val="3068210531"/>
                     </a:ext>
                   </a:extLst>
                 </a:gridCol>
                 <a:gridCol w="1167618">
                   <a:extLst>
                     <a:ext uri="{9D8B030D-6E8A-4147-A177-3AD203B41FA5}">
-                      <a16:colId xmlns:a16="http://schemas.microsoft.com/office/drawing/2014/main" val="1329437122"/>
+                      <a16:colId xmlns:a16="http://schemas.microsoft.com/office/drawing/2014/main" xmlns="" val="1329437122"/>
                     </a:ext>
                   </a:extLst>
                 </a:gridCol>
                 <a:gridCol w="1167618">
                   <a:extLst>
                     <a:ext uri="{9D8B030D-6E8A-4147-A177-3AD203B41FA5}">
-                      <a16:colId xmlns:a16="http://schemas.microsoft.com/office/drawing/2014/main" val="2449248229"/>
+                      <a16:colId xmlns:a16="http://schemas.microsoft.com/office/drawing/2014/main" xmlns="" val="2449248229"/>
                     </a:ext>
                   </a:extLst>
                 </a:gridCol>
                 <a:gridCol w="1167618">
                   <a:extLst>
                     <a:ext uri="{9D8B030D-6E8A-4147-A177-3AD203B41FA5}">
-                      <a16:colId xmlns:a16="http://schemas.microsoft.com/office/drawing/2014/main" val="1584611669"/>
+                      <a16:colId xmlns:a16="http://schemas.microsoft.com/office/drawing/2014/main" xmlns="" val="1584611669"/>
                     </a:ext>
                   </a:extLst>
                 </a:gridCol>
                 <a:gridCol w="1167618">
                   <a:extLst>
                     <a:ext uri="{9D8B030D-6E8A-4147-A177-3AD203B41FA5}">
-                      <a16:colId xmlns:a16="http://schemas.microsoft.com/office/drawing/2014/main" val="369170268"/>
+                      <a16:colId xmlns:a16="http://schemas.microsoft.com/office/drawing/2014/main" xmlns="" val="369170268"/>
                     </a:ext>
                   </a:extLst>
                 </a:gridCol>
                 <a:gridCol w="1167618">
                   <a:extLst>
                     <a:ext uri="{9D8B030D-6E8A-4147-A177-3AD203B41FA5}">
-                      <a16:colId xmlns:a16="http://schemas.microsoft.com/office/drawing/2014/main" val="3112765651"/>
+                      <a16:colId xmlns:a16="http://schemas.microsoft.com/office/drawing/2014/main" xmlns="" val="3112765651"/>
                     </a:ext>
                   </a:extLst>
                 </a:gridCol>
                 <a:gridCol w="1167618">
                   <a:extLst>
                     <a:ext uri="{9D8B030D-6E8A-4147-A177-3AD203B41FA5}">
-                      <a16:colId xmlns:a16="http://schemas.microsoft.com/office/drawing/2014/main" val="4125286536"/>
+                      <a16:colId xmlns:a16="http://schemas.microsoft.com/office/drawing/2014/main" xmlns="" val="4125286536"/>
                     </a:ext>
                   </a:extLst>
                 </a:gridCol>
@@ -7410,7 +7417,7 @@
                 </a:tc>
                 <a:extLst>
                   <a:ext uri="{0D108BD9-81ED-4DB2-BD59-A6C34878D82A}">
-                    <a16:rowId xmlns:a16="http://schemas.microsoft.com/office/drawing/2014/main" val="419928680"/>
+                    <a16:rowId xmlns:a16="http://schemas.microsoft.com/office/drawing/2014/main" xmlns="" val="419928680"/>
                   </a:ext>
                 </a:extLst>
               </a:tr>
@@ -7667,7 +7674,7 @@
                 </a:tc>
                 <a:extLst>
                   <a:ext uri="{0D108BD9-81ED-4DB2-BD59-A6C34878D82A}">
-                    <a16:rowId xmlns:a16="http://schemas.microsoft.com/office/drawing/2014/main" val="3351203649"/>
+                    <a16:rowId xmlns:a16="http://schemas.microsoft.com/office/drawing/2014/main" xmlns="" val="3351203649"/>
                   </a:ext>
                 </a:extLst>
               </a:tr>
@@ -7774,14 +7781,14 @@
                 <a:gridCol w="4064000">
                   <a:extLst>
                     <a:ext uri="{9D8B030D-6E8A-4147-A177-3AD203B41FA5}">
-                      <a16:colId xmlns:a16="http://schemas.microsoft.com/office/drawing/2014/main" val="3191459757"/>
+                      <a16:colId xmlns:a16="http://schemas.microsoft.com/office/drawing/2014/main" xmlns="" val="3191459757"/>
                     </a:ext>
                   </a:extLst>
                 </a:gridCol>
                 <a:gridCol w="4064000">
                   <a:extLst>
                     <a:ext uri="{9D8B030D-6E8A-4147-A177-3AD203B41FA5}">
-                      <a16:colId xmlns:a16="http://schemas.microsoft.com/office/drawing/2014/main" val="2098194043"/>
+                      <a16:colId xmlns:a16="http://schemas.microsoft.com/office/drawing/2014/main" xmlns="" val="2098194043"/>
                     </a:ext>
                   </a:extLst>
                 </a:gridCol>
@@ -7845,7 +7852,7 @@
                 </a:tc>
                 <a:extLst>
                   <a:ext uri="{0D108BD9-81ED-4DB2-BD59-A6C34878D82A}">
-                    <a16:rowId xmlns:a16="http://schemas.microsoft.com/office/drawing/2014/main" val="2093727347"/>
+                    <a16:rowId xmlns:a16="http://schemas.microsoft.com/office/drawing/2014/main" xmlns="" val="2093727347"/>
                   </a:ext>
                 </a:extLst>
               </a:tr>
@@ -7902,7 +7909,7 @@
                 </a:tc>
                 <a:extLst>
                   <a:ext uri="{0D108BD9-81ED-4DB2-BD59-A6C34878D82A}">
-                    <a16:rowId xmlns:a16="http://schemas.microsoft.com/office/drawing/2014/main" val="1982293295"/>
+                    <a16:rowId xmlns:a16="http://schemas.microsoft.com/office/drawing/2014/main" xmlns="" val="1982293295"/>
                   </a:ext>
                 </a:extLst>
               </a:tr>
